--- a/courses/cse545/slides/09-heap-2.pptx
+++ b/courses/cse545/slides/09-heap-2.pptx
@@ -839,7 +839,7 @@
           <a:p>
             <a:fld id="{F88513B2-5834-7F44-92C6-32D9C72F6072}" type="slidenum">
               <a:rPr lang="en-US" smtClean="0"/>
-              <a:t>13</a:t>
+              <a:t>12</a:t>
             </a:fld>
             <a:endParaRPr lang="en-US"/>
           </a:p>
@@ -848,7 +848,7 @@
     </p:spTree>
     <p:extLst>
       <p:ext uri="{BB962C8B-B14F-4D97-AF65-F5344CB8AC3E}">
-        <p14:creationId xmlns:p14="http://schemas.microsoft.com/office/powerpoint/2010/main" val="3415608876"/>
+        <p14:creationId xmlns:p14="http://schemas.microsoft.com/office/powerpoint/2010/main" val="1512259387"/>
       </p:ext>
     </p:extLst>
   </p:cSld>
@@ -923,7 +923,7 @@
           <a:p>
             <a:fld id="{F88513B2-5834-7F44-92C6-32D9C72F6072}" type="slidenum">
               <a:rPr lang="en-US" smtClean="0"/>
-              <a:t>17</a:t>
+              <a:t>13</a:t>
             </a:fld>
             <a:endParaRPr lang="en-US"/>
           </a:p>
@@ -932,7 +932,7 @@
     </p:spTree>
     <p:extLst>
       <p:ext uri="{BB962C8B-B14F-4D97-AF65-F5344CB8AC3E}">
-        <p14:creationId xmlns:p14="http://schemas.microsoft.com/office/powerpoint/2010/main" val="509660948"/>
+        <p14:creationId xmlns:p14="http://schemas.microsoft.com/office/powerpoint/2010/main" val="3415608876"/>
       </p:ext>
     </p:extLst>
   </p:cSld>
@@ -1007,7 +1007,7 @@
           <a:p>
             <a:fld id="{F88513B2-5834-7F44-92C6-32D9C72F6072}" type="slidenum">
               <a:rPr lang="en-US" smtClean="0"/>
-              <a:t>18</a:t>
+              <a:t>17</a:t>
             </a:fld>
             <a:endParaRPr lang="en-US"/>
           </a:p>
@@ -1016,7 +1016,7 @@
     </p:spTree>
     <p:extLst>
       <p:ext uri="{BB962C8B-B14F-4D97-AF65-F5344CB8AC3E}">
-        <p14:creationId xmlns:p14="http://schemas.microsoft.com/office/powerpoint/2010/main" val="860294548"/>
+        <p14:creationId xmlns:p14="http://schemas.microsoft.com/office/powerpoint/2010/main" val="509660948"/>
       </p:ext>
     </p:extLst>
   </p:cSld>
@@ -1091,7 +1091,7 @@
           <a:p>
             <a:fld id="{F88513B2-5834-7F44-92C6-32D9C72F6072}" type="slidenum">
               <a:rPr lang="en-US" smtClean="0"/>
-              <a:t>19</a:t>
+              <a:t>18</a:t>
             </a:fld>
             <a:endParaRPr lang="en-US"/>
           </a:p>
@@ -1100,7 +1100,7 @@
     </p:spTree>
     <p:extLst>
       <p:ext uri="{BB962C8B-B14F-4D97-AF65-F5344CB8AC3E}">
-        <p14:creationId xmlns:p14="http://schemas.microsoft.com/office/powerpoint/2010/main" val="450972377"/>
+        <p14:creationId xmlns:p14="http://schemas.microsoft.com/office/powerpoint/2010/main" val="860294548"/>
       </p:ext>
     </p:extLst>
   </p:cSld>
@@ -1154,19 +1154,7 @@
           <a:bodyPr/>
           <a:lstStyle/>
           <a:p>
-            <a:r>
-              <a:rPr lang="en-US" dirty="0"/>
-              <a:t>how to manage it?</a:t>
-            </a:r>
-          </a:p>
-          <a:p>
             <a:endParaRPr lang="en-US" dirty="0"/>
-          </a:p>
-          <a:p>
-            <a:r>
-              <a:rPr lang="en-US" dirty="0"/>
-              <a:t>memory allocator</a:t>
-            </a:r>
           </a:p>
         </p:txBody>
       </p:sp>
@@ -1187,7 +1175,7 @@
           <a:p>
             <a:fld id="{F88513B2-5834-7F44-92C6-32D9C72F6072}" type="slidenum">
               <a:rPr lang="en-US" smtClean="0"/>
-              <a:t>22</a:t>
+              <a:t>19</a:t>
             </a:fld>
             <a:endParaRPr lang="en-US"/>
           </a:p>
@@ -1196,7 +1184,7 @@
     </p:spTree>
     <p:extLst>
       <p:ext uri="{BB962C8B-B14F-4D97-AF65-F5344CB8AC3E}">
-        <p14:creationId xmlns:p14="http://schemas.microsoft.com/office/powerpoint/2010/main" val="2969330808"/>
+        <p14:creationId xmlns:p14="http://schemas.microsoft.com/office/powerpoint/2010/main" val="450972377"/>
       </p:ext>
     </p:extLst>
   </p:cSld>
@@ -1252,7 +1240,16 @@
           <a:p>
             <a:r>
               <a:rPr lang="en-US" dirty="0"/>
-              <a:t>The order is different</a:t>
+              <a:t>how to manage it?</a:t>
+            </a:r>
+          </a:p>
+          <a:p>
+            <a:endParaRPr lang="en-US" dirty="0"/>
+          </a:p>
+          <a:p>
+            <a:r>
+              <a:rPr lang="en-US" dirty="0"/>
+              <a:t>memory allocator</a:t>
             </a:r>
           </a:p>
         </p:txBody>
@@ -1274,7 +1271,7 @@
           <a:p>
             <a:fld id="{F88513B2-5834-7F44-92C6-32D9C72F6072}" type="slidenum">
               <a:rPr lang="en-US" smtClean="0"/>
-              <a:t>28</a:t>
+              <a:t>22</a:t>
             </a:fld>
             <a:endParaRPr lang="en-US"/>
           </a:p>
@@ -1283,7 +1280,7 @@
     </p:spTree>
     <p:extLst>
       <p:ext uri="{BB962C8B-B14F-4D97-AF65-F5344CB8AC3E}">
-        <p14:creationId xmlns:p14="http://schemas.microsoft.com/office/powerpoint/2010/main" val="928515386"/>
+        <p14:creationId xmlns:p14="http://schemas.microsoft.com/office/powerpoint/2010/main" val="2969330808"/>
       </p:ext>
     </p:extLst>
   </p:cSld>
@@ -1339,20 +1336,7 @@
           <a:p>
             <a:r>
               <a:rPr lang="en-US" dirty="0"/>
-              <a:t>per thread cache</a:t>
-            </a:r>
-          </a:p>
-          <a:p>
-            <a:endParaRPr lang="en-US" dirty="0"/>
-          </a:p>
-          <a:p>
-            <a:r>
-              <a:rPr lang="en-US" dirty="0" err="1"/>
-              <a:t>glibc</a:t>
-            </a:r>
-            <a:r>
-              <a:rPr lang="en-US" dirty="0"/>
-              <a:t> 2.26</a:t>
+              <a:t>The order is different</a:t>
             </a:r>
           </a:p>
         </p:txBody>
@@ -1374,7 +1358,7 @@
           <a:p>
             <a:fld id="{F88513B2-5834-7F44-92C6-32D9C72F6072}" type="slidenum">
               <a:rPr lang="en-US" smtClean="0"/>
-              <a:t>29</a:t>
+              <a:t>28</a:t>
             </a:fld>
             <a:endParaRPr lang="en-US"/>
           </a:p>
@@ -1383,7 +1367,7 @@
     </p:spTree>
     <p:extLst>
       <p:ext uri="{BB962C8B-B14F-4D97-AF65-F5344CB8AC3E}">
-        <p14:creationId xmlns:p14="http://schemas.microsoft.com/office/powerpoint/2010/main" val="2830370770"/>
+        <p14:creationId xmlns:p14="http://schemas.microsoft.com/office/powerpoint/2010/main" val="928515386"/>
       </p:ext>
     </p:extLst>
   </p:cSld>
@@ -1439,24 +1423,20 @@
           <a:p>
             <a:r>
               <a:rPr lang="en-US" dirty="0"/>
-              <a:t>https://</a:t>
-            </a:r>
+              <a:t>per thread cache</a:t>
+            </a:r>
+          </a:p>
+          <a:p>
+            <a:endParaRPr lang="en-US" dirty="0"/>
+          </a:p>
+          <a:p>
             <a:r>
               <a:rPr lang="en-US" dirty="0" err="1"/>
-              <a:t>azeria-labs.com</a:t>
+              <a:t>glibc</a:t>
             </a:r>
             <a:r>
               <a:rPr lang="en-US" dirty="0"/>
-              <a:t>/heap-exploitation-part-2-glibc-heap-free-bins/</a:t>
-            </a:r>
-          </a:p>
-          <a:p>
-            <a:endParaRPr lang="en-US" dirty="0"/>
-          </a:p>
-          <a:p>
-            <a:r>
-              <a:rPr lang="en-US" dirty="0"/>
-              <a:t>fast bin in arena</a:t>
+              <a:t> 2.26</a:t>
             </a:r>
           </a:p>
         </p:txBody>
@@ -1478,7 +1458,7 @@
           <a:p>
             <a:fld id="{F88513B2-5834-7F44-92C6-32D9C72F6072}" type="slidenum">
               <a:rPr lang="en-US" smtClean="0"/>
-              <a:t>30</a:t>
+              <a:t>29</a:t>
             </a:fld>
             <a:endParaRPr lang="en-US"/>
           </a:p>
@@ -1487,7 +1467,7 @@
     </p:spTree>
     <p:extLst>
       <p:ext uri="{BB962C8B-B14F-4D97-AF65-F5344CB8AC3E}">
-        <p14:creationId xmlns:p14="http://schemas.microsoft.com/office/powerpoint/2010/main" val="1498537309"/>
+        <p14:creationId xmlns:p14="http://schemas.microsoft.com/office/powerpoint/2010/main" val="2830370770"/>
       </p:ext>
     </p:extLst>
   </p:cSld>
@@ -1541,7 +1521,27 @@
           <a:bodyPr/>
           <a:lstStyle/>
           <a:p>
+            <a:r>
+              <a:rPr lang="en-US" dirty="0"/>
+              <a:t>https://</a:t>
+            </a:r>
+            <a:r>
+              <a:rPr lang="en-US" dirty="0" err="1"/>
+              <a:t>azeria-labs.com</a:t>
+            </a:r>
+            <a:r>
+              <a:rPr lang="en-US" dirty="0"/>
+              <a:t>/heap-exploitation-part-2-glibc-heap-free-bins/</a:t>
+            </a:r>
+          </a:p>
+          <a:p>
             <a:endParaRPr lang="en-US" dirty="0"/>
+          </a:p>
+          <a:p>
+            <a:r>
+              <a:rPr lang="en-US" dirty="0"/>
+              <a:t>fast bin in arena</a:t>
+            </a:r>
           </a:p>
         </p:txBody>
       </p:sp>
@@ -1562,7 +1562,7 @@
           <a:p>
             <a:fld id="{F88513B2-5834-7F44-92C6-32D9C72F6072}" type="slidenum">
               <a:rPr lang="en-US" smtClean="0"/>
-              <a:t>42</a:t>
+              <a:t>30</a:t>
             </a:fld>
             <a:endParaRPr lang="en-US"/>
           </a:p>
@@ -1571,7 +1571,7 @@
     </p:spTree>
     <p:extLst>
       <p:ext uri="{BB962C8B-B14F-4D97-AF65-F5344CB8AC3E}">
-        <p14:creationId xmlns:p14="http://schemas.microsoft.com/office/powerpoint/2010/main" val="2200462178"/>
+        <p14:creationId xmlns:p14="http://schemas.microsoft.com/office/powerpoint/2010/main" val="1498537309"/>
       </p:ext>
     </p:extLst>
   </p:cSld>
@@ -1646,7 +1646,7 @@
           <a:p>
             <a:fld id="{F88513B2-5834-7F44-92C6-32D9C72F6072}" type="slidenum">
               <a:rPr lang="en-US" smtClean="0"/>
-              <a:t>43</a:t>
+              <a:t>42</a:t>
             </a:fld>
             <a:endParaRPr lang="en-US"/>
           </a:p>
@@ -1655,7 +1655,7 @@
     </p:spTree>
     <p:extLst>
       <p:ext uri="{BB962C8B-B14F-4D97-AF65-F5344CB8AC3E}">
-        <p14:creationId xmlns:p14="http://schemas.microsoft.com/office/powerpoint/2010/main" val="728357303"/>
+        <p14:creationId xmlns:p14="http://schemas.microsoft.com/office/powerpoint/2010/main" val="2200462178"/>
       </p:ext>
     </p:extLst>
   </p:cSld>
@@ -1814,6 +1814,90 @@
           <a:p>
             <a:fld id="{F88513B2-5834-7F44-92C6-32D9C72F6072}" type="slidenum">
               <a:rPr lang="en-US" smtClean="0"/>
+              <a:t>43</a:t>
+            </a:fld>
+            <a:endParaRPr lang="en-US"/>
+          </a:p>
+        </p:txBody>
+      </p:sp>
+    </p:spTree>
+    <p:extLst>
+      <p:ext uri="{BB962C8B-B14F-4D97-AF65-F5344CB8AC3E}">
+        <p14:creationId xmlns:p14="http://schemas.microsoft.com/office/powerpoint/2010/main" val="728357303"/>
+      </p:ext>
+    </p:extLst>
+  </p:cSld>
+  <p:clrMapOvr>
+    <a:masterClrMapping/>
+  </p:clrMapOvr>
+</p:notes>
+</file>
+
+<file path=ppt/notesSlides/notesSlide21.xml><?xml version="1.0" encoding="utf-8"?>
+<p:notes xmlns:a="http://schemas.openxmlformats.org/drawingml/2006/main" xmlns:r="http://schemas.openxmlformats.org/officeDocument/2006/relationships" xmlns:p="http://schemas.openxmlformats.org/presentationml/2006/main">
+  <p:cSld>
+    <p:spTree>
+      <p:nvGrpSpPr>
+        <p:cNvPr id="1" name=""/>
+        <p:cNvGrpSpPr/>
+        <p:nvPr/>
+      </p:nvGrpSpPr>
+      <p:grpSpPr>
+        <a:xfrm>
+          <a:off x="0" y="0"/>
+          <a:ext cx="0" cy="0"/>
+          <a:chOff x="0" y="0"/>
+          <a:chExt cx="0" cy="0"/>
+        </a:xfrm>
+      </p:grpSpPr>
+      <p:sp>
+        <p:nvSpPr>
+          <p:cNvPr id="2" name="Slide Image Placeholder 1"/>
+          <p:cNvSpPr>
+            <a:spLocks noGrp="1" noRot="1" noChangeAspect="1"/>
+          </p:cNvSpPr>
+          <p:nvPr>
+            <p:ph type="sldImg"/>
+          </p:nvPr>
+        </p:nvSpPr>
+        <p:spPr/>
+      </p:sp>
+      <p:sp>
+        <p:nvSpPr>
+          <p:cNvPr id="3" name="Notes Placeholder 2"/>
+          <p:cNvSpPr>
+            <a:spLocks noGrp="1"/>
+          </p:cNvSpPr>
+          <p:nvPr>
+            <p:ph type="body" idx="1"/>
+          </p:nvPr>
+        </p:nvSpPr>
+        <p:spPr/>
+        <p:txBody>
+          <a:bodyPr/>
+          <a:lstStyle/>
+          <a:p>
+            <a:endParaRPr lang="en-US" dirty="0"/>
+          </a:p>
+        </p:txBody>
+      </p:sp>
+      <p:sp>
+        <p:nvSpPr>
+          <p:cNvPr id="4" name="Slide Number Placeholder 3"/>
+          <p:cNvSpPr>
+            <a:spLocks noGrp="1"/>
+          </p:cNvSpPr>
+          <p:nvPr>
+            <p:ph type="sldNum" sz="quarter" idx="5"/>
+          </p:nvPr>
+        </p:nvSpPr>
+        <p:spPr/>
+        <p:txBody>
+          <a:bodyPr/>
+          <a:lstStyle/>
+          <a:p>
+            <a:fld id="{F88513B2-5834-7F44-92C6-32D9C72F6072}" type="slidenum">
+              <a:rPr lang="en-US" smtClean="0"/>
               <a:t>44</a:t>
             </a:fld>
             <a:endParaRPr lang="en-US"/>
@@ -1833,7 +1917,7 @@
 </p:notes>
 </file>
 
-<file path=ppt/notesSlides/notesSlide21.xml><?xml version="1.0" encoding="utf-8"?>
+<file path=ppt/notesSlides/notesSlide22.xml><?xml version="1.0" encoding="utf-8"?>
 <p:notes xmlns:a="http://schemas.openxmlformats.org/drawingml/2006/main" xmlns:r="http://schemas.openxmlformats.org/officeDocument/2006/relationships" xmlns:p="http://schemas.openxmlformats.org/presentationml/2006/main">
   <p:cSld>
     <p:spTree>
@@ -2066,7 +2150,7 @@
           <a:p>
             <a:fld id="{F88513B2-5834-7F44-92C6-32D9C72F6072}" type="slidenum">
               <a:rPr lang="en-US" smtClean="0"/>
-              <a:t>6</a:t>
+              <a:t>4</a:t>
             </a:fld>
             <a:endParaRPr lang="en-US"/>
           </a:p>
@@ -2075,7 +2159,7 @@
     </p:spTree>
     <p:extLst>
       <p:ext uri="{BB962C8B-B14F-4D97-AF65-F5344CB8AC3E}">
-        <p14:creationId xmlns:p14="http://schemas.microsoft.com/office/powerpoint/2010/main" val="2406598787"/>
+        <p14:creationId xmlns:p14="http://schemas.microsoft.com/office/powerpoint/2010/main" val="3310290145"/>
       </p:ext>
     </p:extLst>
   </p:cSld>
@@ -2150,7 +2234,7 @@
           <a:p>
             <a:fld id="{F88513B2-5834-7F44-92C6-32D9C72F6072}" type="slidenum">
               <a:rPr lang="en-US" smtClean="0"/>
-              <a:t>7</a:t>
+              <a:t>6</a:t>
             </a:fld>
             <a:endParaRPr lang="en-US"/>
           </a:p>
@@ -2159,7 +2243,7 @@
     </p:spTree>
     <p:extLst>
       <p:ext uri="{BB962C8B-B14F-4D97-AF65-F5344CB8AC3E}">
-        <p14:creationId xmlns:p14="http://schemas.microsoft.com/office/powerpoint/2010/main" val="3532014336"/>
+        <p14:creationId xmlns:p14="http://schemas.microsoft.com/office/powerpoint/2010/main" val="2406598787"/>
       </p:ext>
     </p:extLst>
   </p:cSld>
@@ -2234,7 +2318,7 @@
           <a:p>
             <a:fld id="{F88513B2-5834-7F44-92C6-32D9C72F6072}" type="slidenum">
               <a:rPr lang="en-US" smtClean="0"/>
-              <a:t>9</a:t>
+              <a:t>7</a:t>
             </a:fld>
             <a:endParaRPr lang="en-US"/>
           </a:p>
@@ -2243,7 +2327,7 @@
     </p:spTree>
     <p:extLst>
       <p:ext uri="{BB962C8B-B14F-4D97-AF65-F5344CB8AC3E}">
-        <p14:creationId xmlns:p14="http://schemas.microsoft.com/office/powerpoint/2010/main" val="1537076951"/>
+        <p14:creationId xmlns:p14="http://schemas.microsoft.com/office/powerpoint/2010/main" val="3532014336"/>
       </p:ext>
     </p:extLst>
   </p:cSld>
@@ -2318,7 +2402,7 @@
           <a:p>
             <a:fld id="{F88513B2-5834-7F44-92C6-32D9C72F6072}" type="slidenum">
               <a:rPr lang="en-US" smtClean="0"/>
-              <a:t>10</a:t>
+              <a:t>9</a:t>
             </a:fld>
             <a:endParaRPr lang="en-US"/>
           </a:p>
@@ -2327,7 +2411,7 @@
     </p:spTree>
     <p:extLst>
       <p:ext uri="{BB962C8B-B14F-4D97-AF65-F5344CB8AC3E}">
-        <p14:creationId xmlns:p14="http://schemas.microsoft.com/office/powerpoint/2010/main" val="3631217778"/>
+        <p14:creationId xmlns:p14="http://schemas.microsoft.com/office/powerpoint/2010/main" val="1537076951"/>
       </p:ext>
     </p:extLst>
   </p:cSld>
@@ -2402,7 +2486,7 @@
           <a:p>
             <a:fld id="{F88513B2-5834-7F44-92C6-32D9C72F6072}" type="slidenum">
               <a:rPr lang="en-US" smtClean="0"/>
-              <a:t>11</a:t>
+              <a:t>10</a:t>
             </a:fld>
             <a:endParaRPr lang="en-US"/>
           </a:p>
@@ -2411,7 +2495,7 @@
     </p:spTree>
     <p:extLst>
       <p:ext uri="{BB962C8B-B14F-4D97-AF65-F5344CB8AC3E}">
-        <p14:creationId xmlns:p14="http://schemas.microsoft.com/office/powerpoint/2010/main" val="2326178203"/>
+        <p14:creationId xmlns:p14="http://schemas.microsoft.com/office/powerpoint/2010/main" val="3631217778"/>
       </p:ext>
     </p:extLst>
   </p:cSld>
@@ -2486,7 +2570,7 @@
           <a:p>
             <a:fld id="{F88513B2-5834-7F44-92C6-32D9C72F6072}" type="slidenum">
               <a:rPr lang="en-US" smtClean="0"/>
-              <a:t>12</a:t>
+              <a:t>11</a:t>
             </a:fld>
             <a:endParaRPr lang="en-US"/>
           </a:p>
@@ -2495,7 +2579,7 @@
     </p:spTree>
     <p:extLst>
       <p:ext uri="{BB962C8B-B14F-4D97-AF65-F5344CB8AC3E}">
-        <p14:creationId xmlns:p14="http://schemas.microsoft.com/office/powerpoint/2010/main" val="1512259387"/>
+        <p14:creationId xmlns:p14="http://schemas.microsoft.com/office/powerpoint/2010/main" val="2326178203"/>
       </p:ext>
     </p:extLst>
   </p:cSld>
@@ -25244,7 +25328,7 @@
             </a:r>
             <a:r>
               <a:rPr lang="en-US" sz="1800" dirty="0">
-                <a:hlinkClick r:id="rId2"/>
+                <a:hlinkClick r:id="rId3"/>
               </a:rPr>
               <a:t>https://www.tiffanybao.com//courses/cse545/labs/week9/double_free</a:t>
             </a:r>
@@ -25266,21 +25350,9 @@
             </a:r>
             <a:r>
               <a:rPr lang="en-US" sz="1800" dirty="0">
-                <a:hlinkClick r:id="rId3"/>
-              </a:rPr>
-              <a:t>https://www.tiffanybao.com//courses/cse545/labs/week9/</a:t>
-            </a:r>
-            <a:r>
-              <a:rPr lang="en-US" sz="1800">
-                <a:hlinkClick r:id="rId3"/>
-              </a:rPr>
-              <a:t>double_</a:t>
-            </a:r>
-            <a:r>
-              <a:rPr lang="en-US" sz="1800" dirty="0">
-                <a:hlinkClick r:id="rId3"/>
-              </a:rPr>
-              <a:t>free.c</a:t>
+                <a:hlinkClick r:id="rId4"/>
+              </a:rPr>
+              <a:t>https://www.tiffanybao.com//courses/cse545/labs/week9/double_free.c</a:t>
             </a:r>
             <a:endParaRPr lang="en-US" sz="1800" dirty="0"/>
           </a:p>
